--- a/2020-06-10-연수고.pptx
+++ b/2020-06-10-연수고.pptx
@@ -214,7 +214,7 @@
           <a:p>
             <a:fld id="{441FEC62-9B31-4DF2-936D-FD9BCACC7C84}" type="datetimeFigureOut">
               <a:rPr lang="ko-KR" altLang="en-US" smtClean="0"/>
-              <a:t>2020-06-08</a:t>
+              <a:t>2020-06-09</a:t>
             </a:fld>
             <a:endParaRPr lang="ko-KR" altLang="en-US"/>
           </a:p>
@@ -2267,7 +2267,7 @@
           <a:p>
             <a:fld id="{05CE1C86-58EB-41F5-AE4C-2D6DBC13F52E}" type="datetimeFigureOut">
               <a:rPr lang="ko-KR" altLang="en-US" smtClean="0"/>
-              <a:t>2020-06-08</a:t>
+              <a:t>2020-06-09</a:t>
             </a:fld>
             <a:endParaRPr lang="ko-KR" altLang="en-US"/>
           </a:p>
@@ -2465,7 +2465,7 @@
           <a:p>
             <a:fld id="{05CE1C86-58EB-41F5-AE4C-2D6DBC13F52E}" type="datetimeFigureOut">
               <a:rPr lang="ko-KR" altLang="en-US" smtClean="0"/>
-              <a:t>2020-06-08</a:t>
+              <a:t>2020-06-09</a:t>
             </a:fld>
             <a:endParaRPr lang="ko-KR" altLang="en-US"/>
           </a:p>
@@ -2673,7 +2673,7 @@
           <a:p>
             <a:fld id="{05CE1C86-58EB-41F5-AE4C-2D6DBC13F52E}" type="datetimeFigureOut">
               <a:rPr lang="ko-KR" altLang="en-US" smtClean="0"/>
-              <a:t>2020-06-08</a:t>
+              <a:t>2020-06-09</a:t>
             </a:fld>
             <a:endParaRPr lang="ko-KR" altLang="en-US"/>
           </a:p>
@@ -2871,7 +2871,7 @@
           <a:p>
             <a:fld id="{05CE1C86-58EB-41F5-AE4C-2D6DBC13F52E}" type="datetimeFigureOut">
               <a:rPr lang="ko-KR" altLang="en-US" smtClean="0"/>
-              <a:t>2020-06-08</a:t>
+              <a:t>2020-06-09</a:t>
             </a:fld>
             <a:endParaRPr lang="ko-KR" altLang="en-US"/>
           </a:p>
@@ -3146,7 +3146,7 @@
           <a:p>
             <a:fld id="{05CE1C86-58EB-41F5-AE4C-2D6DBC13F52E}" type="datetimeFigureOut">
               <a:rPr lang="ko-KR" altLang="en-US" smtClean="0"/>
-              <a:t>2020-06-08</a:t>
+              <a:t>2020-06-09</a:t>
             </a:fld>
             <a:endParaRPr lang="ko-KR" altLang="en-US"/>
           </a:p>
@@ -3411,7 +3411,7 @@
           <a:p>
             <a:fld id="{05CE1C86-58EB-41F5-AE4C-2D6DBC13F52E}" type="datetimeFigureOut">
               <a:rPr lang="ko-KR" altLang="en-US" smtClean="0"/>
-              <a:t>2020-06-08</a:t>
+              <a:t>2020-06-09</a:t>
             </a:fld>
             <a:endParaRPr lang="ko-KR" altLang="en-US"/>
           </a:p>
@@ -3823,7 +3823,7 @@
           <a:p>
             <a:fld id="{05CE1C86-58EB-41F5-AE4C-2D6DBC13F52E}" type="datetimeFigureOut">
               <a:rPr lang="ko-KR" altLang="en-US" smtClean="0"/>
-              <a:t>2020-06-08</a:t>
+              <a:t>2020-06-09</a:t>
             </a:fld>
             <a:endParaRPr lang="ko-KR" altLang="en-US"/>
           </a:p>
@@ -3964,7 +3964,7 @@
           <a:p>
             <a:fld id="{05CE1C86-58EB-41F5-AE4C-2D6DBC13F52E}" type="datetimeFigureOut">
               <a:rPr lang="ko-KR" altLang="en-US" smtClean="0"/>
-              <a:t>2020-06-08</a:t>
+              <a:t>2020-06-09</a:t>
             </a:fld>
             <a:endParaRPr lang="ko-KR" altLang="en-US"/>
           </a:p>
@@ -4077,7 +4077,7 @@
           <a:p>
             <a:fld id="{05CE1C86-58EB-41F5-AE4C-2D6DBC13F52E}" type="datetimeFigureOut">
               <a:rPr lang="ko-KR" altLang="en-US" smtClean="0"/>
-              <a:t>2020-06-08</a:t>
+              <a:t>2020-06-09</a:t>
             </a:fld>
             <a:endParaRPr lang="ko-KR" altLang="en-US"/>
           </a:p>
@@ -4388,7 +4388,7 @@
           <a:p>
             <a:fld id="{05CE1C86-58EB-41F5-AE4C-2D6DBC13F52E}" type="datetimeFigureOut">
               <a:rPr lang="ko-KR" altLang="en-US" smtClean="0"/>
-              <a:t>2020-06-08</a:t>
+              <a:t>2020-06-09</a:t>
             </a:fld>
             <a:endParaRPr lang="ko-KR" altLang="en-US"/>
           </a:p>
@@ -4676,7 +4676,7 @@
           <a:p>
             <a:fld id="{05CE1C86-58EB-41F5-AE4C-2D6DBC13F52E}" type="datetimeFigureOut">
               <a:rPr lang="ko-KR" altLang="en-US" smtClean="0"/>
-              <a:t>2020-06-08</a:t>
+              <a:t>2020-06-09</a:t>
             </a:fld>
             <a:endParaRPr lang="ko-KR" altLang="en-US"/>
           </a:p>
@@ -4917,7 +4917,7 @@
           <a:p>
             <a:fld id="{05CE1C86-58EB-41F5-AE4C-2D6DBC13F52E}" type="datetimeFigureOut">
               <a:rPr lang="ko-KR" altLang="en-US" smtClean="0"/>
-              <a:t>2020-06-08</a:t>
+              <a:t>2020-06-09</a:t>
             </a:fld>
             <a:endParaRPr lang="ko-KR" altLang="en-US"/>
           </a:p>
@@ -7475,7 +7475,7 @@
           <a:lstStyle/>
           <a:p>
             <a:r>
-              <a:rPr lang="ko-KR" altLang="en-US"/>
+              <a:rPr lang="ko-KR" altLang="en-US" b="1" dirty="0"/>
               <a:t>자석</a:t>
             </a:r>
           </a:p>
@@ -7510,7 +7510,7 @@
           <a:lstStyle/>
           <a:p>
             <a:r>
-              <a:rPr lang="ko-KR" altLang="en-US" dirty="0"/>
+              <a:rPr lang="ko-KR" altLang="en-US" b="1" dirty="0"/>
               <a:t>전자석</a:t>
             </a:r>
           </a:p>
@@ -7758,7 +7758,7 @@
                 </a:solidFill>
                 <a:latin typeface="+mn-ea"/>
               </a:rPr>
-              <a:t> 부조의 긴 핀이 </a:t>
+              <a:t> 부조의 긴 핀 </a:t>
             </a:r>
             <a:r>
               <a:rPr lang="en-US" altLang="ko-KR" sz="2000" b="1" dirty="0">
@@ -7767,7 +7767,25 @@
                 </a:solidFill>
                 <a:latin typeface="+mn-ea"/>
               </a:rPr>
-              <a:t>+</a:t>
+              <a:t>:</a:t>
+            </a:r>
+            <a:r>
+              <a:rPr lang="ko-KR" altLang="en-US" sz="2000" b="1" dirty="0">
+                <a:solidFill>
+                  <a:srgbClr val="FF0000"/>
+                </a:solidFill>
+                <a:latin typeface="+mn-ea"/>
+              </a:rPr>
+              <a:t> </a:t>
+            </a:r>
+            <a:r>
+              <a:rPr lang="en-US" altLang="ko-KR" sz="2000" b="1" dirty="0">
+                <a:solidFill>
+                  <a:srgbClr val="FF0000"/>
+                </a:solidFill>
+                <a:latin typeface="+mn-ea"/>
+              </a:rPr>
+              <a:t>(+)</a:t>
             </a:r>
             <a:r>
               <a:rPr lang="ko-KR" altLang="en-US" sz="2000" b="1" dirty="0">
@@ -12588,8 +12606,8 @@
               <a:buChar char="•"/>
             </a:pPr>
             <a:r>
-              <a:rPr lang="en-US" altLang="ko-KR" sz="1500" dirty="0" err="1"/>
-              <a:t>buttonState</a:t>
+              <a:rPr lang="en-US" altLang="ko-KR" sz="1500" dirty="0"/>
+              <a:t>buttonState2</a:t>
             </a:r>
             <a:r>
               <a:rPr lang="ko-KR" altLang="en-US" sz="1500" dirty="0"/>
@@ -12597,7 +12615,7 @@
             </a:r>
             <a:r>
               <a:rPr lang="en-US" altLang="ko-KR" sz="1500" dirty="0"/>
-              <a:t>1</a:t>
+              <a:t>2</a:t>
             </a:r>
             <a:r>
               <a:rPr lang="ko-KR" altLang="en-US" sz="1500" dirty="0"/>
@@ -14111,8 +14129,8 @@
         </p:nvSpPr>
         <p:spPr>
           <a:xfrm>
-            <a:off x="8190010" y="3429000"/>
-            <a:ext cx="877163" cy="369332"/>
+            <a:off x="7920705" y="3136612"/>
+            <a:ext cx="1415772" cy="584775"/>
           </a:xfrm>
           <a:prstGeom prst="rect">
             <a:avLst/>
@@ -14126,10 +14144,10 @@
           <a:lstStyle/>
           <a:p>
             <a:r>
-              <a:rPr lang="ko-KR" altLang="en-US" dirty="0" err="1"/>
+              <a:rPr lang="ko-KR" altLang="en-US" sz="3200" b="1" dirty="0" err="1"/>
               <a:t>발진기</a:t>
             </a:r>
-            <a:endParaRPr lang="ko-KR" altLang="en-US" dirty="0"/>
+            <a:endParaRPr lang="ko-KR" altLang="en-US" sz="3200" b="1" dirty="0"/>
           </a:p>
         </p:txBody>
       </p:sp>

--- a/2020-06-10-연수고.pptx
+++ b/2020-06-10-연수고.pptx
@@ -5,7 +5,7 @@
     <p:sldMasterId id="2147483648" r:id="rId1"/>
   </p:sldMasterIdLst>
   <p:notesMasterIdLst>
-    <p:notesMasterId r:id="rId20"/>
+    <p:notesMasterId r:id="rId21"/>
   </p:notesMasterIdLst>
   <p:sldIdLst>
     <p:sldId id="1100" r:id="rId2"/>
@@ -15,17 +15,18 @@
     <p:sldId id="1182" r:id="rId6"/>
     <p:sldId id="1183" r:id="rId7"/>
     <p:sldId id="1176" r:id="rId8"/>
-    <p:sldId id="1184" r:id="rId9"/>
-    <p:sldId id="1165" r:id="rId10"/>
-    <p:sldId id="1186" r:id="rId11"/>
-    <p:sldId id="1187" r:id="rId12"/>
-    <p:sldId id="1188" r:id="rId13"/>
-    <p:sldId id="1185" r:id="rId14"/>
-    <p:sldId id="1189" r:id="rId15"/>
-    <p:sldId id="1190" r:id="rId16"/>
-    <p:sldId id="1191" r:id="rId17"/>
-    <p:sldId id="1192" r:id="rId18"/>
-    <p:sldId id="1146" r:id="rId19"/>
+    <p:sldId id="1188" r:id="rId9"/>
+    <p:sldId id="1184" r:id="rId10"/>
+    <p:sldId id="1165" r:id="rId11"/>
+    <p:sldId id="1186" r:id="rId12"/>
+    <p:sldId id="1187" r:id="rId13"/>
+    <p:sldId id="1193" r:id="rId14"/>
+    <p:sldId id="1185" r:id="rId15"/>
+    <p:sldId id="1189" r:id="rId16"/>
+    <p:sldId id="1190" r:id="rId17"/>
+    <p:sldId id="1191" r:id="rId18"/>
+    <p:sldId id="1192" r:id="rId19"/>
+    <p:sldId id="1146" r:id="rId20"/>
   </p:sldIdLst>
   <p:sldSz cx="12192000" cy="6858000"/>
   <p:notesSz cx="6858000" cy="9144000"/>
@@ -130,6 +131,18 @@
     </p:ext>
   </p:extLst>
 </p:presentation>
+</file>
+
+<file path=ppt/commentAuthors.xml><?xml version="1.0" encoding="utf-8"?>
+<p:cmAuthorLst xmlns:a="http://schemas.openxmlformats.org/drawingml/2006/main" xmlns:r="http://schemas.openxmlformats.org/officeDocument/2006/relationships" xmlns:p="http://schemas.openxmlformats.org/presentationml/2006/main">
+  <p:cmAuthor id="1" name="Jang DongHyeok" initials="JD" lastIdx="1" clrIdx="0">
+    <p:extLst>
+      <p:ext uri="{19B8F6BF-5375-455C-9EA6-DF929625EA0E}">
+        <p15:presenceInfo xmlns:p15="http://schemas.microsoft.com/office/powerpoint/2012/main" userId="6e9eb5028e886a3d" providerId="Windows Live"/>
+      </p:ext>
+    </p:extLst>
+  </p:cmAuthor>
+</p:cmAuthorLst>
 </file>
 
 <file path=ppt/notesMasters/notesMaster1.xml><?xml version="1.0" encoding="utf-8"?>
@@ -670,7 +683,7 @@
     </p:spTree>
     <p:extLst>
       <p:ext uri="{BB962C8B-B14F-4D97-AF65-F5344CB8AC3E}">
-        <p14:creationId xmlns:p14="http://schemas.microsoft.com/office/powerpoint/2010/main" val="2305881305"/>
+        <p14:creationId xmlns:p14="http://schemas.microsoft.com/office/powerpoint/2010/main" val="3794058424"/>
       </p:ext>
     </p:extLst>
   </p:cSld>
@@ -760,7 +773,7 @@
     </p:spTree>
     <p:extLst>
       <p:ext uri="{BB962C8B-B14F-4D97-AF65-F5344CB8AC3E}">
-        <p14:creationId xmlns:p14="http://schemas.microsoft.com/office/powerpoint/2010/main" val="730490760"/>
+        <p14:creationId xmlns:p14="http://schemas.microsoft.com/office/powerpoint/2010/main" val="2305881305"/>
       </p:ext>
     </p:extLst>
   </p:cSld>
@@ -850,7 +863,7 @@
     </p:spTree>
     <p:extLst>
       <p:ext uri="{BB962C8B-B14F-4D97-AF65-F5344CB8AC3E}">
-        <p14:creationId xmlns:p14="http://schemas.microsoft.com/office/powerpoint/2010/main" val="2611096884"/>
+        <p14:creationId xmlns:p14="http://schemas.microsoft.com/office/powerpoint/2010/main" val="730490760"/>
       </p:ext>
     </p:extLst>
   </p:cSld>
@@ -940,7 +953,7 @@
     </p:spTree>
     <p:extLst>
       <p:ext uri="{BB962C8B-B14F-4D97-AF65-F5344CB8AC3E}">
-        <p14:creationId xmlns:p14="http://schemas.microsoft.com/office/powerpoint/2010/main" val="474433849"/>
+        <p14:creationId xmlns:p14="http://schemas.microsoft.com/office/powerpoint/2010/main" val="1481050955"/>
       </p:ext>
     </p:extLst>
   </p:cSld>
@@ -1030,7 +1043,7 @@
     </p:spTree>
     <p:extLst>
       <p:ext uri="{BB962C8B-B14F-4D97-AF65-F5344CB8AC3E}">
-        <p14:creationId xmlns:p14="http://schemas.microsoft.com/office/powerpoint/2010/main" val="3630955535"/>
+        <p14:creationId xmlns:p14="http://schemas.microsoft.com/office/powerpoint/2010/main" val="474433849"/>
       </p:ext>
     </p:extLst>
   </p:cSld>
@@ -1120,7 +1133,7 @@
     </p:spTree>
     <p:extLst>
       <p:ext uri="{BB962C8B-B14F-4D97-AF65-F5344CB8AC3E}">
-        <p14:creationId xmlns:p14="http://schemas.microsoft.com/office/powerpoint/2010/main" val="3544364366"/>
+        <p14:creationId xmlns:p14="http://schemas.microsoft.com/office/powerpoint/2010/main" val="3630955535"/>
       </p:ext>
     </p:extLst>
   </p:cSld>
@@ -1210,7 +1223,7 @@
     </p:spTree>
     <p:extLst>
       <p:ext uri="{BB962C8B-B14F-4D97-AF65-F5344CB8AC3E}">
-        <p14:creationId xmlns:p14="http://schemas.microsoft.com/office/powerpoint/2010/main" val="561736100"/>
+        <p14:creationId xmlns:p14="http://schemas.microsoft.com/office/powerpoint/2010/main" val="3544364366"/>
       </p:ext>
     </p:extLst>
   </p:cSld>
@@ -1300,7 +1313,7 @@
     </p:spTree>
     <p:extLst>
       <p:ext uri="{BB962C8B-B14F-4D97-AF65-F5344CB8AC3E}">
-        <p14:creationId xmlns:p14="http://schemas.microsoft.com/office/powerpoint/2010/main" val="1675082336"/>
+        <p14:creationId xmlns:p14="http://schemas.microsoft.com/office/powerpoint/2010/main" val="561736100"/>
       </p:ext>
     </p:extLst>
   </p:cSld>
@@ -1382,6 +1395,96 @@
                 <a:defRPr/>
               </a:pPr>
               <a:t>18</a:t>
+            </a:fld>
+            <a:endParaRPr lang="en-US" altLang="ko-KR" dirty="0"/>
+          </a:p>
+        </p:txBody>
+      </p:sp>
+    </p:spTree>
+    <p:extLst>
+      <p:ext uri="{BB962C8B-B14F-4D97-AF65-F5344CB8AC3E}">
+        <p14:creationId xmlns:p14="http://schemas.microsoft.com/office/powerpoint/2010/main" val="1675082336"/>
+      </p:ext>
+    </p:extLst>
+  </p:cSld>
+  <p:clrMapOvr>
+    <a:masterClrMapping/>
+  </p:clrMapOvr>
+</p:notes>
+</file>
+
+<file path=ppt/notesSlides/notesSlide19.xml><?xml version="1.0" encoding="utf-8"?>
+<p:notes xmlns:a="http://schemas.openxmlformats.org/drawingml/2006/main" xmlns:r="http://schemas.openxmlformats.org/officeDocument/2006/relationships" xmlns:p="http://schemas.openxmlformats.org/presentationml/2006/main">
+  <p:cSld>
+    <p:spTree>
+      <p:nvGrpSpPr>
+        <p:cNvPr id="1" name=""/>
+        <p:cNvGrpSpPr/>
+        <p:nvPr/>
+      </p:nvGrpSpPr>
+      <p:grpSpPr>
+        <a:xfrm>
+          <a:off x="0" y="0"/>
+          <a:ext cx="0" cy="0"/>
+          <a:chOff x="0" y="0"/>
+          <a:chExt cx="0" cy="0"/>
+        </a:xfrm>
+      </p:grpSpPr>
+      <p:sp>
+        <p:nvSpPr>
+          <p:cNvPr id="2" name="슬라이드 이미지 개체 틀 1"/>
+          <p:cNvSpPr>
+            <a:spLocks noGrp="1" noRot="1" noChangeAspect="1"/>
+          </p:cNvSpPr>
+          <p:nvPr>
+            <p:ph type="sldImg"/>
+          </p:nvPr>
+        </p:nvSpPr>
+        <p:spPr/>
+      </p:sp>
+      <p:sp>
+        <p:nvSpPr>
+          <p:cNvPr id="3" name="슬라이드 노트 개체 틀 2"/>
+          <p:cNvSpPr>
+            <a:spLocks noGrp="1"/>
+          </p:cNvSpPr>
+          <p:nvPr>
+            <p:ph type="body" idx="1"/>
+          </p:nvPr>
+        </p:nvSpPr>
+        <p:spPr/>
+        <p:txBody>
+          <a:bodyPr/>
+          <a:lstStyle/>
+          <a:p>
+            <a:endParaRPr lang="ko-KR" altLang="en-US" dirty="0"/>
+          </a:p>
+        </p:txBody>
+      </p:sp>
+      <p:sp>
+        <p:nvSpPr>
+          <p:cNvPr id="4" name="슬라이드 번호 개체 틀 3"/>
+          <p:cNvSpPr>
+            <a:spLocks noGrp="1"/>
+          </p:cNvSpPr>
+          <p:nvPr>
+            <p:ph type="sldNum" sz="quarter" idx="10"/>
+          </p:nvPr>
+        </p:nvSpPr>
+        <p:spPr/>
+        <p:txBody>
+          <a:bodyPr/>
+          <a:lstStyle/>
+          <a:p>
+            <a:pPr>
+              <a:defRPr/>
+            </a:pPr>
+            <a:fld id="{EF25C9CB-473F-4C79-8889-7E058F4F291A}" type="slidenum">
+              <a:rPr lang="en-US" altLang="ko-KR" smtClean="0"/>
+              <a:pPr>
+                <a:defRPr/>
+              </a:pPr>
+              <a:t>19</a:t>
             </a:fld>
             <a:endParaRPr lang="en-US" altLang="ko-KR" dirty="0"/>
           </a:p>
@@ -2020,7 +2123,7 @@
     </p:spTree>
     <p:extLst>
       <p:ext uri="{BB962C8B-B14F-4D97-AF65-F5344CB8AC3E}">
-        <p14:creationId xmlns:p14="http://schemas.microsoft.com/office/powerpoint/2010/main" val="3604975277"/>
+        <p14:creationId xmlns:p14="http://schemas.microsoft.com/office/powerpoint/2010/main" val="2611096884"/>
       </p:ext>
     </p:extLst>
   </p:cSld>
@@ -2110,7 +2213,7 @@
     </p:spTree>
     <p:extLst>
       <p:ext uri="{BB962C8B-B14F-4D97-AF65-F5344CB8AC3E}">
-        <p14:creationId xmlns:p14="http://schemas.microsoft.com/office/powerpoint/2010/main" val="3794058424"/>
+        <p14:creationId xmlns:p14="http://schemas.microsoft.com/office/powerpoint/2010/main" val="3604975277"/>
       </p:ext>
     </p:extLst>
   </p:cSld>
@@ -5662,6 +5765,331 @@
       </p:sp>
       <p:pic>
         <p:nvPicPr>
+          <p:cNvPr id="2054" name="Picture 6" descr="CPU 선택 전 알면 좋은 기초 지식 몇 가지 : kini'n creations">
+            <a:extLst>
+              <a:ext uri="{FF2B5EF4-FFF2-40B4-BE49-F238E27FC236}">
+                <a16:creationId xmlns:a16="http://schemas.microsoft.com/office/drawing/2014/main" id="{0574A64E-A95D-46EA-BF5B-BB5CDC2AFEB1}"/>
+              </a:ext>
+            </a:extLst>
+          </p:cNvPr>
+          <p:cNvPicPr>
+            <a:picLocks noChangeAspect="1" noChangeArrowheads="1"/>
+          </p:cNvPicPr>
+          <p:nvPr/>
+        </p:nvPicPr>
+        <p:blipFill>
+          <a:blip r:embed="rId3">
+            <a:extLst>
+              <a:ext uri="{28A0092B-C50C-407E-A947-70E740481C1C}">
+                <a14:useLocalDpi xmlns:a14="http://schemas.microsoft.com/office/drawing/2010/main" val="0"/>
+              </a:ext>
+            </a:extLst>
+          </a:blip>
+          <a:srcRect/>
+          <a:stretch>
+            <a:fillRect/>
+          </a:stretch>
+        </p:blipFill>
+        <p:spPr bwMode="auto">
+          <a:xfrm>
+            <a:off x="442233" y="1913839"/>
+            <a:ext cx="4871724" cy="2742085"/>
+          </a:xfrm>
+          <a:prstGeom prst="rect">
+            <a:avLst/>
+          </a:prstGeom>
+          <a:noFill/>
+          <a:extLst>
+            <a:ext uri="{909E8E84-426E-40DD-AFC4-6F175D3DCCD1}">
+              <a14:hiddenFill xmlns:a14="http://schemas.microsoft.com/office/drawing/2010/main">
+                <a:solidFill>
+                  <a:srgbClr val="FFFFFF"/>
+                </a:solidFill>
+              </a14:hiddenFill>
+            </a:ext>
+          </a:extLst>
+        </p:spPr>
+      </p:pic>
+      <p:pic>
+        <p:nvPicPr>
+          <p:cNvPr id="8" name="Picture 6" descr="ATmega8(A)의 클럭 소스 설정">
+            <a:extLst>
+              <a:ext uri="{FF2B5EF4-FFF2-40B4-BE49-F238E27FC236}">
+                <a16:creationId xmlns:a16="http://schemas.microsoft.com/office/drawing/2014/main" id="{AF670BD2-5383-4C3D-BA03-3FF4297CE89B}"/>
+              </a:ext>
+            </a:extLst>
+          </p:cNvPr>
+          <p:cNvPicPr>
+            <a:picLocks noChangeAspect="1" noChangeArrowheads="1"/>
+          </p:cNvPicPr>
+          <p:nvPr/>
+        </p:nvPicPr>
+        <p:blipFill>
+          <a:blip r:embed="rId4">
+            <a:extLst>
+              <a:ext uri="{28A0092B-C50C-407E-A947-70E740481C1C}">
+                <a14:useLocalDpi xmlns:a14="http://schemas.microsoft.com/office/drawing/2010/main" val="0"/>
+              </a:ext>
+            </a:extLst>
+          </a:blip>
+          <a:srcRect/>
+          <a:stretch>
+            <a:fillRect/>
+          </a:stretch>
+        </p:blipFill>
+        <p:spPr bwMode="auto">
+          <a:xfrm>
+            <a:off x="5437613" y="3976451"/>
+            <a:ext cx="6381956" cy="1836026"/>
+          </a:xfrm>
+          <a:prstGeom prst="rect">
+            <a:avLst/>
+          </a:prstGeom>
+          <a:noFill/>
+          <a:extLst>
+            <a:ext uri="{909E8E84-426E-40DD-AFC4-6F175D3DCCD1}">
+              <a14:hiddenFill xmlns:a14="http://schemas.microsoft.com/office/drawing/2010/main">
+                <a:solidFill>
+                  <a:srgbClr val="FFFFFF"/>
+                </a:solidFill>
+              </a14:hiddenFill>
+            </a:ext>
+          </a:extLst>
+        </p:spPr>
+      </p:pic>
+      <p:pic>
+        <p:nvPicPr>
+          <p:cNvPr id="2056" name="Picture 8" descr="결정 진동자 - 위키백과, 우리 모두의 백과사전">
+            <a:extLst>
+              <a:ext uri="{FF2B5EF4-FFF2-40B4-BE49-F238E27FC236}">
+                <a16:creationId xmlns:a16="http://schemas.microsoft.com/office/drawing/2014/main" id="{B7C8246C-745E-40D1-871B-AE4A545446A6}"/>
+              </a:ext>
+            </a:extLst>
+          </p:cNvPr>
+          <p:cNvPicPr>
+            <a:picLocks noChangeAspect="1" noChangeArrowheads="1"/>
+          </p:cNvPicPr>
+          <p:nvPr/>
+        </p:nvPicPr>
+        <p:blipFill>
+          <a:blip r:embed="rId5">
+            <a:extLst>
+              <a:ext uri="{28A0092B-C50C-407E-A947-70E740481C1C}">
+                <a14:useLocalDpi xmlns:a14="http://schemas.microsoft.com/office/drawing/2010/main" val="0"/>
+              </a:ext>
+            </a:extLst>
+          </a:blip>
+          <a:srcRect/>
+          <a:stretch>
+            <a:fillRect/>
+          </a:stretch>
+        </p:blipFill>
+        <p:spPr bwMode="auto">
+          <a:xfrm>
+            <a:off x="6832673" y="809378"/>
+            <a:ext cx="3929434" cy="2619622"/>
+          </a:xfrm>
+          <a:prstGeom prst="rect">
+            <a:avLst/>
+          </a:prstGeom>
+          <a:noFill/>
+          <a:extLst>
+            <a:ext uri="{909E8E84-426E-40DD-AFC4-6F175D3DCCD1}">
+              <a14:hiddenFill xmlns:a14="http://schemas.microsoft.com/office/drawing/2010/main">
+                <a:solidFill>
+                  <a:srgbClr val="FFFFFF"/>
+                </a:solidFill>
+              </a14:hiddenFill>
+            </a:ext>
+          </a:extLst>
+        </p:spPr>
+      </p:pic>
+      <p:sp>
+        <p:nvSpPr>
+          <p:cNvPr id="5" name="TextBox 4">
+            <a:extLst>
+              <a:ext uri="{FF2B5EF4-FFF2-40B4-BE49-F238E27FC236}">
+                <a16:creationId xmlns:a16="http://schemas.microsoft.com/office/drawing/2014/main" id="{D6A1327D-B1B1-4AD7-9C64-70F291FDD222}"/>
+              </a:ext>
+            </a:extLst>
+          </p:cNvPr>
+          <p:cNvSpPr txBox="1"/>
+          <p:nvPr/>
+        </p:nvSpPr>
+        <p:spPr>
+          <a:xfrm>
+            <a:off x="7920705" y="3136612"/>
+            <a:ext cx="1415772" cy="584775"/>
+          </a:xfrm>
+          <a:prstGeom prst="rect">
+            <a:avLst/>
+          </a:prstGeom>
+          <a:noFill/>
+        </p:spPr>
+        <p:txBody>
+          <a:bodyPr wrap="none" rtlCol="0">
+            <a:spAutoFit/>
+          </a:bodyPr>
+          <a:lstStyle/>
+          <a:p>
+            <a:r>
+              <a:rPr lang="ko-KR" altLang="en-US" sz="3200" b="1" dirty="0" err="1"/>
+              <a:t>발진기</a:t>
+            </a:r>
+            <a:endParaRPr lang="ko-KR" altLang="en-US" sz="3200" b="1" dirty="0"/>
+          </a:p>
+        </p:txBody>
+      </p:sp>
+    </p:spTree>
+    <p:extLst>
+      <p:ext uri="{BB962C8B-B14F-4D97-AF65-F5344CB8AC3E}">
+        <p14:creationId xmlns:p14="http://schemas.microsoft.com/office/powerpoint/2010/main" val="3784409599"/>
+      </p:ext>
+    </p:extLst>
+  </p:cSld>
+  <p:clrMapOvr>
+    <a:masterClrMapping/>
+  </p:clrMapOvr>
+</p:sld>
+</file>
+
+<file path=ppt/slides/slide11.xml><?xml version="1.0" encoding="utf-8"?>
+<p:sld xmlns:a="http://schemas.openxmlformats.org/drawingml/2006/main" xmlns:r="http://schemas.openxmlformats.org/officeDocument/2006/relationships" xmlns:p="http://schemas.openxmlformats.org/presentationml/2006/main">
+  <p:cSld>
+    <p:spTree>
+      <p:nvGrpSpPr>
+        <p:cNvPr id="1" name=""/>
+        <p:cNvGrpSpPr/>
+        <p:nvPr/>
+      </p:nvGrpSpPr>
+      <p:grpSpPr>
+        <a:xfrm>
+          <a:off x="0" y="0"/>
+          <a:ext cx="0" cy="0"/>
+          <a:chOff x="0" y="0"/>
+          <a:chExt cx="0" cy="0"/>
+        </a:xfrm>
+      </p:grpSpPr>
+      <p:sp>
+        <p:nvSpPr>
+          <p:cNvPr id="4" name="직사각형 3">
+            <a:extLst>
+              <a:ext uri="{FF2B5EF4-FFF2-40B4-BE49-F238E27FC236}">
+                <a16:creationId xmlns:a16="http://schemas.microsoft.com/office/drawing/2014/main" id="{8CE2AD40-F434-4036-9D04-C476FB1FB8B7}"/>
+              </a:ext>
+            </a:extLst>
+          </p:cNvPr>
+          <p:cNvSpPr/>
+          <p:nvPr/>
+        </p:nvSpPr>
+        <p:spPr>
+          <a:xfrm>
+            <a:off x="0" y="0"/>
+            <a:ext cx="12192000" cy="721551"/>
+          </a:xfrm>
+          <a:prstGeom prst="rect">
+            <a:avLst/>
+          </a:prstGeom>
+          <a:solidFill>
+            <a:schemeClr val="accent1">
+              <a:lumMod val="75000"/>
+            </a:schemeClr>
+          </a:solidFill>
+        </p:spPr>
+        <p:style>
+          <a:lnRef idx="2">
+            <a:schemeClr val="accent1">
+              <a:shade val="50000"/>
+            </a:schemeClr>
+          </a:lnRef>
+          <a:fillRef idx="1">
+            <a:schemeClr val="accent1"/>
+          </a:fillRef>
+          <a:effectRef idx="0">
+            <a:schemeClr val="accent1"/>
+          </a:effectRef>
+          <a:fontRef idx="minor">
+            <a:schemeClr val="lt1"/>
+          </a:fontRef>
+        </p:style>
+        <p:txBody>
+          <a:bodyPr rtlCol="0" anchor="ctr"/>
+          <a:lstStyle/>
+          <a:p>
+            <a:r>
+              <a:rPr lang="ko-KR" altLang="en-US" sz="3000" dirty="0">
+                <a:solidFill>
+                  <a:schemeClr val="bg1"/>
+                </a:solidFill>
+              </a:rPr>
+              <a:t> 학습 내용 </a:t>
+            </a:r>
+            <a:r>
+              <a:rPr lang="en-US" altLang="ko-KR" sz="3000" dirty="0">
+                <a:solidFill>
+                  <a:schemeClr val="bg1"/>
+                </a:solidFill>
+              </a:rPr>
+              <a:t>(</a:t>
+            </a:r>
+            <a:r>
+              <a:rPr lang="ko-KR" altLang="en-US" sz="3000" dirty="0">
+                <a:solidFill>
+                  <a:schemeClr val="bg1"/>
+                </a:solidFill>
+              </a:rPr>
+              <a:t>클럭</a:t>
+            </a:r>
+            <a:r>
+              <a:rPr lang="en-US" altLang="ko-KR" sz="3000" dirty="0">
+                <a:solidFill>
+                  <a:schemeClr val="bg1"/>
+                </a:solidFill>
+              </a:rPr>
+              <a:t>)</a:t>
+            </a:r>
+            <a:endParaRPr lang="ko-KR" altLang="en-US" sz="3000" dirty="0">
+              <a:solidFill>
+                <a:schemeClr val="bg1"/>
+              </a:solidFill>
+            </a:endParaRPr>
+          </a:p>
+        </p:txBody>
+      </p:sp>
+      <p:sp>
+        <p:nvSpPr>
+          <p:cNvPr id="2" name="TextBox 1">
+            <a:extLst>
+              <a:ext uri="{FF2B5EF4-FFF2-40B4-BE49-F238E27FC236}">
+                <a16:creationId xmlns:a16="http://schemas.microsoft.com/office/drawing/2014/main" id="{3B02BD13-A28F-40A8-9A6A-75A440D8DEBA}"/>
+              </a:ext>
+            </a:extLst>
+          </p:cNvPr>
+          <p:cNvSpPr txBox="1"/>
+          <p:nvPr/>
+        </p:nvSpPr>
+        <p:spPr>
+          <a:xfrm>
+            <a:off x="2785730" y="2647507"/>
+            <a:ext cx="184731" cy="369332"/>
+          </a:xfrm>
+          <a:prstGeom prst="rect">
+            <a:avLst/>
+          </a:prstGeom>
+          <a:noFill/>
+        </p:spPr>
+        <p:txBody>
+          <a:bodyPr wrap="none" rtlCol="0">
+            <a:spAutoFit/>
+          </a:bodyPr>
+          <a:lstStyle/>
+          <a:p>
+            <a:endParaRPr lang="ko-KR" altLang="en-US" dirty="0"/>
+          </a:p>
+        </p:txBody>
+      </p:sp>
+      <p:pic>
+        <p:nvPicPr>
           <p:cNvPr id="5" name="Picture 2" descr="아두이노 보드 - 위키백과, 우리 모두의 백과사전">
             <a:extLst>
               <a:ext uri="{FF2B5EF4-FFF2-40B4-BE49-F238E27FC236}">
@@ -5941,7 +6369,7 @@
 </p:sld>
 </file>
 
-<file path=ppt/slides/slide11.xml><?xml version="1.0" encoding="utf-8"?>
+<file path=ppt/slides/slide12.xml><?xml version="1.0" encoding="utf-8"?>
 <p:sld xmlns:a="http://schemas.openxmlformats.org/drawingml/2006/main" xmlns:r="http://schemas.openxmlformats.org/officeDocument/2006/relationships" xmlns:p="http://schemas.openxmlformats.org/presentationml/2006/main">
   <p:cSld>
     <p:spTree>
@@ -6090,8 +6518,8 @@
         </p:nvGrpSpPr>
         <p:grpSpPr>
           <a:xfrm>
-            <a:off x="1474511" y="1102829"/>
-            <a:ext cx="8772732" cy="3984761"/>
+            <a:off x="1625600" y="1203826"/>
+            <a:ext cx="8656971" cy="3932180"/>
             <a:chOff x="1474511" y="1102829"/>
             <a:chExt cx="8772732" cy="3984761"/>
           </a:xfrm>
@@ -6277,7 +6705,7 @@
         <p:spPr>
           <a:xfrm>
             <a:off x="974035" y="4561517"/>
-            <a:ext cx="2576346" cy="369332"/>
+            <a:ext cx="2335896" cy="369332"/>
           </a:xfrm>
           <a:prstGeom prst="rect">
             <a:avLst/>
@@ -6292,7 +6720,7 @@
           <a:p>
             <a:r>
               <a:rPr lang="en-US" altLang="ko-KR" dirty="0"/>
-              <a:t>16MHz / 16Mhz = 1hz</a:t>
+              <a:t>16MHz / 16M = 1hz</a:t>
             </a:r>
           </a:p>
         </p:txBody>
@@ -6312,7 +6740,7 @@
         <p:spPr>
           <a:xfrm>
             <a:off x="974035" y="5132564"/>
-            <a:ext cx="2449710" cy="369332"/>
+            <a:ext cx="2209259" cy="369332"/>
           </a:xfrm>
           <a:prstGeom prst="rect">
             <a:avLst/>
@@ -6327,7 +6755,7 @@
           <a:p>
             <a:r>
               <a:rPr lang="en-US" altLang="ko-KR" dirty="0"/>
-              <a:t>16MHz / 8Mhz = 2hz</a:t>
+              <a:t>16MHz / 8M = 2hz</a:t>
             </a:r>
           </a:p>
         </p:txBody>
@@ -6347,7 +6775,7 @@
         <p:spPr>
           <a:xfrm>
             <a:off x="974035" y="5695359"/>
-            <a:ext cx="2449710" cy="369332"/>
+            <a:ext cx="2209259" cy="369332"/>
           </a:xfrm>
           <a:prstGeom prst="rect">
             <a:avLst/>
@@ -6362,7 +6790,120 @@
           <a:p>
             <a:r>
               <a:rPr lang="en-US" altLang="ko-KR" dirty="0"/>
-              <a:t>16MHz / 4Mhz = 4hz</a:t>
+              <a:t>16MHz / 4M = 4hz</a:t>
+            </a:r>
+          </a:p>
+        </p:txBody>
+      </p:sp>
+      <p:sp>
+        <p:nvSpPr>
+          <p:cNvPr id="13" name="TextBox 12">
+            <a:extLst>
+              <a:ext uri="{FF2B5EF4-FFF2-40B4-BE49-F238E27FC236}">
+                <a16:creationId xmlns:a16="http://schemas.microsoft.com/office/drawing/2014/main" id="{EBE33B48-7AAB-475A-A51F-24BC4E309C23}"/>
+              </a:ext>
+            </a:extLst>
+          </p:cNvPr>
+          <p:cNvSpPr txBox="1"/>
+          <p:nvPr/>
+        </p:nvSpPr>
+        <p:spPr>
+          <a:xfrm>
+            <a:off x="3842769" y="843516"/>
+            <a:ext cx="4222631" cy="477054"/>
+          </a:xfrm>
+          <a:prstGeom prst="rect">
+            <a:avLst/>
+          </a:prstGeom>
+          <a:noFill/>
+        </p:spPr>
+        <p:txBody>
+          <a:bodyPr wrap="none" rtlCol="0">
+            <a:spAutoFit/>
+          </a:bodyPr>
+          <a:lstStyle/>
+          <a:p>
+            <a:r>
+              <a:rPr lang="en-US" altLang="ko-KR" sz="2500" b="1" dirty="0"/>
+              <a:t>20 ~ 20000hz</a:t>
+            </a:r>
+            <a:r>
+              <a:rPr lang="ko-KR" altLang="en-US" sz="2500" b="1" dirty="0"/>
+              <a:t>로 바꿔보자</a:t>
+            </a:r>
+            <a:r>
+              <a:rPr lang="en-US" altLang="ko-KR" sz="2500" b="1" dirty="0"/>
+              <a:t>! </a:t>
+            </a:r>
+          </a:p>
+        </p:txBody>
+      </p:sp>
+      <p:sp>
+        <p:nvSpPr>
+          <p:cNvPr id="14" name="TextBox 13">
+            <a:extLst>
+              <a:ext uri="{FF2B5EF4-FFF2-40B4-BE49-F238E27FC236}">
+                <a16:creationId xmlns:a16="http://schemas.microsoft.com/office/drawing/2014/main" id="{0A2C0D1B-0110-4AEE-8FD7-F1445B8BEA10}"/>
+              </a:ext>
+            </a:extLst>
+          </p:cNvPr>
+          <p:cNvSpPr txBox="1"/>
+          <p:nvPr/>
+        </p:nvSpPr>
+        <p:spPr>
+          <a:xfrm>
+            <a:off x="4058176" y="5046350"/>
+            <a:ext cx="2103461" cy="369332"/>
+          </a:xfrm>
+          <a:prstGeom prst="rect">
+            <a:avLst/>
+          </a:prstGeom>
+          <a:noFill/>
+        </p:spPr>
+        <p:txBody>
+          <a:bodyPr wrap="none" rtlCol="0">
+            <a:spAutoFit/>
+          </a:bodyPr>
+          <a:lstStyle/>
+          <a:p>
+            <a:r>
+              <a:rPr lang="en-US" altLang="ko-KR" dirty="0"/>
+              <a:t>16MHz / ? = 20hz</a:t>
+            </a:r>
+          </a:p>
+        </p:txBody>
+      </p:sp>
+      <p:sp>
+        <p:nvSpPr>
+          <p:cNvPr id="15" name="TextBox 14">
+            <a:extLst>
+              <a:ext uri="{FF2B5EF4-FFF2-40B4-BE49-F238E27FC236}">
+                <a16:creationId xmlns:a16="http://schemas.microsoft.com/office/drawing/2014/main" id="{7B51740C-7F2F-44C7-A2F1-5F58ED10B9CC}"/>
+              </a:ext>
+            </a:extLst>
+          </p:cNvPr>
+          <p:cNvSpPr txBox="1"/>
+          <p:nvPr/>
+        </p:nvSpPr>
+        <p:spPr>
+          <a:xfrm>
+            <a:off x="4058176" y="5598800"/>
+            <a:ext cx="2589170" cy="369332"/>
+          </a:xfrm>
+          <a:prstGeom prst="rect">
+            <a:avLst/>
+          </a:prstGeom>
+          <a:noFill/>
+        </p:spPr>
+        <p:txBody>
+          <a:bodyPr wrap="none" rtlCol="0">
+            <a:spAutoFit/>
+          </a:bodyPr>
+          <a:lstStyle/>
+          <a:p>
+            <a:r>
+              <a:rPr lang="en-US" altLang="ko-KR" dirty="0"/>
+              <a:t>16MHz / ?? = 20000hz</a:t>
             </a:r>
           </a:p>
         </p:txBody>
@@ -6520,6 +7061,141 @@
                       </p:childTnLst>
                     </p:cTn>
                   </p:par>
+                  <p:par>
+                    <p:cTn id="15" fill="hold">
+                      <p:stCondLst>
+                        <p:cond delay="indefinite"/>
+                      </p:stCondLst>
+                      <p:childTnLst>
+                        <p:par>
+                          <p:cTn id="16" fill="hold">
+                            <p:stCondLst>
+                              <p:cond delay="0"/>
+                            </p:stCondLst>
+                            <p:childTnLst>
+                              <p:par>
+                                <p:cTn id="17" presetID="1" presetClass="entr" presetSubtype="0" fill="hold" grpId="0" nodeType="clickEffect">
+                                  <p:stCondLst>
+                                    <p:cond delay="0"/>
+                                  </p:stCondLst>
+                                  <p:childTnLst>
+                                    <p:set>
+                                      <p:cBhvr>
+                                        <p:cTn id="18" dur="1" fill="hold">
+                                          <p:stCondLst>
+                                            <p:cond delay="0"/>
+                                          </p:stCondLst>
+                                        </p:cTn>
+                                        <p:tgtEl>
+                                          <p:spTgt spid="13"/>
+                                        </p:tgtEl>
+                                        <p:attrNameLst>
+                                          <p:attrName>style.visibility</p:attrName>
+                                        </p:attrNameLst>
+                                      </p:cBhvr>
+                                      <p:to>
+                                        <p:strVal val="visible"/>
+                                      </p:to>
+                                    </p:set>
+                                  </p:childTnLst>
+                                </p:cTn>
+                              </p:par>
+                            </p:childTnLst>
+                          </p:cTn>
+                        </p:par>
+                      </p:childTnLst>
+                    </p:cTn>
+                  </p:par>
+                  <p:par>
+                    <p:cTn id="19" fill="hold">
+                      <p:stCondLst>
+                        <p:cond delay="indefinite"/>
+                      </p:stCondLst>
+                      <p:childTnLst>
+                        <p:par>
+                          <p:cTn id="20" fill="hold">
+                            <p:stCondLst>
+                              <p:cond delay="0"/>
+                            </p:stCondLst>
+                            <p:childTnLst>
+                              <p:par>
+                                <p:cTn id="21" presetID="1" presetClass="entr" presetSubtype="0" fill="hold" grpId="0" nodeType="clickEffect">
+                                  <p:stCondLst>
+                                    <p:cond delay="0"/>
+                                  </p:stCondLst>
+                                  <p:childTnLst>
+                                    <p:set>
+                                      <p:cBhvr>
+                                        <p:cTn id="22" dur="1" fill="hold">
+                                          <p:stCondLst>
+                                            <p:cond delay="0"/>
+                                          </p:stCondLst>
+                                        </p:cTn>
+                                        <p:tgtEl>
+                                          <p:spTgt spid="14"/>
+                                        </p:tgtEl>
+                                        <p:attrNameLst>
+                                          <p:attrName>style.visibility</p:attrName>
+                                        </p:attrNameLst>
+                                      </p:cBhvr>
+                                      <p:to>
+                                        <p:strVal val="visible"/>
+                                      </p:to>
+                                    </p:set>
+                                  </p:childTnLst>
+                                </p:cTn>
+                              </p:par>
+                            </p:childTnLst>
+                          </p:cTn>
+                        </p:par>
+                      </p:childTnLst>
+                    </p:cTn>
+                  </p:par>
+                  <p:par>
+                    <p:cTn id="23" fill="hold">
+                      <p:stCondLst>
+                        <p:cond delay="indefinite"/>
+                      </p:stCondLst>
+                      <p:childTnLst>
+                        <p:par>
+                          <p:cTn id="24" fill="hold">
+                            <p:stCondLst>
+                              <p:cond delay="0"/>
+                            </p:stCondLst>
+                            <p:childTnLst>
+                              <p:par>
+                                <p:cTn id="25" presetID="1" presetClass="entr" presetSubtype="0" fill="hold" grpId="0" nodeType="clickEffect">
+                                  <p:stCondLst>
+                                    <p:cond delay="0"/>
+                                  </p:stCondLst>
+                                  <p:childTnLst>
+                                    <p:set>
+                                      <p:cBhvr>
+                                        <p:cTn id="26" dur="1" fill="hold">
+                                          <p:stCondLst>
+                                            <p:cond delay="0"/>
+                                          </p:stCondLst>
+                                        </p:cTn>
+                                        <p:tgtEl>
+                                          <p:spTgt spid="15"/>
+                                        </p:tgtEl>
+                                        <p:attrNameLst>
+                                          <p:attrName>style.visibility</p:attrName>
+                                        </p:attrNameLst>
+                                      </p:cBhvr>
+                                      <p:to>
+                                        <p:strVal val="visible"/>
+                                      </p:to>
+                                    </p:set>
+                                  </p:childTnLst>
+                                </p:cTn>
+                              </p:par>
+                            </p:childTnLst>
+                          </p:cTn>
+                        </p:par>
+                      </p:childTnLst>
+                    </p:cTn>
+                  </p:par>
                 </p:childTnLst>
               </p:cTn>
               <p:prevCondLst>
@@ -6545,12 +7221,15 @@
       <p:bldP spid="23" grpId="0"/>
       <p:bldP spid="25" grpId="0"/>
       <p:bldP spid="26" grpId="0"/>
+      <p:bldP spid="13" grpId="0"/>
+      <p:bldP spid="14" grpId="0"/>
+      <p:bldP spid="15" grpId="0"/>
     </p:bldLst>
   </p:timing>
 </p:sld>
 </file>
 
-<file path=ppt/slides/slide12.xml><?xml version="1.0" encoding="utf-8"?>
+<file path=ppt/slides/slide13.xml><?xml version="1.0" encoding="utf-8"?>
 <p:sld xmlns:a="http://schemas.openxmlformats.org/drawingml/2006/main" xmlns:r="http://schemas.openxmlformats.org/officeDocument/2006/relationships" xmlns:p="http://schemas.openxmlformats.org/presentationml/2006/main">
   <p:cSld>
     <p:spTree>
@@ -6619,10 +7298,18 @@
                   <a:schemeClr val="bg1"/>
                 </a:solidFill>
               </a:rPr>
-              <a:t> 학습 내용 </a:t>
-            </a:r>
-            <a:r>
-              <a:rPr lang="en-US" altLang="ko-KR" sz="3000" dirty="0">
+              <a:t> 학습 </a:t>
+            </a:r>
+            <a:r>
+              <a:rPr lang="ko-KR" altLang="en-US" sz="3000">
+                <a:solidFill>
+                  <a:schemeClr val="bg1"/>
+                </a:solidFill>
+              </a:rPr>
+              <a:t>내용 </a:t>
+            </a:r>
+            <a:r>
+              <a:rPr lang="en-US" altLang="ko-KR" sz="3000">
                 <a:solidFill>
                   <a:schemeClr val="bg1"/>
                 </a:solidFill>
@@ -6630,31 +7317,15 @@
               <a:t>(</a:t>
             </a:r>
             <a:r>
-              <a:rPr lang="ko-KR" altLang="en-US" sz="3000" dirty="0" err="1">
+              <a:rPr lang="ko-KR" altLang="en-US" sz="3000">
                 <a:solidFill>
                   <a:schemeClr val="bg1"/>
                 </a:solidFill>
               </a:rPr>
-              <a:t>피에조</a:t>
-            </a:r>
-            <a:r>
-              <a:rPr lang="ko-KR" altLang="en-US" sz="3000" dirty="0">
-                <a:solidFill>
-                  <a:schemeClr val="bg1"/>
-                </a:solidFill>
-              </a:rPr>
-              <a:t> </a:t>
-            </a:r>
-            <a:r>
-              <a:rPr lang="ko-KR" altLang="en-US" sz="3000" dirty="0" err="1">
-                <a:solidFill>
-                  <a:schemeClr val="bg1"/>
-                </a:solidFill>
-              </a:rPr>
-              <a:t>부저</a:t>
-            </a:r>
-            <a:r>
-              <a:rPr lang="en-US" altLang="ko-KR" sz="3000" dirty="0">
+              <a:t>클럭</a:t>
+            </a:r>
+            <a:r>
+              <a:rPr lang="en-US" altLang="ko-KR" sz="3000">
                 <a:solidFill>
                   <a:schemeClr val="bg1"/>
                 </a:solidFill>
@@ -6859,7 +7530,7 @@
     </p:spTree>
     <p:extLst>
       <p:ext uri="{BB962C8B-B14F-4D97-AF65-F5344CB8AC3E}">
-        <p14:creationId xmlns:p14="http://schemas.microsoft.com/office/powerpoint/2010/main" val="1165573077"/>
+        <p14:creationId xmlns:p14="http://schemas.microsoft.com/office/powerpoint/2010/main" val="3220881839"/>
       </p:ext>
     </p:extLst>
   </p:cSld>
@@ -6993,7 +7664,7 @@
 </p:sld>
 </file>
 
-<file path=ppt/slides/slide13.xml><?xml version="1.0" encoding="utf-8"?>
+<file path=ppt/slides/slide14.xml><?xml version="1.0" encoding="utf-8"?>
 <p:sld xmlns:a="http://schemas.openxmlformats.org/drawingml/2006/main" xmlns:r="http://schemas.openxmlformats.org/officeDocument/2006/relationships" xmlns:p="http://schemas.openxmlformats.org/presentationml/2006/main">
   <p:cSld>
     <p:spTree>
@@ -7158,8 +7829,8 @@
         </p:nvSpPr>
         <p:spPr>
           <a:xfrm>
-            <a:off x="3145359" y="1152472"/>
-            <a:ext cx="5343129" cy="369332"/>
+            <a:off x="2558813" y="1185500"/>
+            <a:ext cx="7074373" cy="461665"/>
           </a:xfrm>
           <a:prstGeom prst="rect">
             <a:avLst/>
@@ -7173,18 +7844,18 @@
           <a:lstStyle/>
           <a:p>
             <a:r>
-              <a:rPr lang="ko-KR" altLang="en-US" dirty="0"/>
+              <a:rPr lang="ko-KR" altLang="en-US" sz="2400" b="1" dirty="0"/>
               <a:t>전자석 </a:t>
             </a:r>
             <a:r>
-              <a:rPr lang="en-US" altLang="ko-KR" dirty="0"/>
+              <a:rPr lang="en-US" altLang="ko-KR" sz="2400" b="1" dirty="0"/>
               <a:t>: </a:t>
             </a:r>
             <a:r>
-              <a:rPr lang="ko-KR" altLang="en-US" dirty="0"/>
+              <a:rPr lang="ko-KR" altLang="en-US" sz="2400" b="1" dirty="0"/>
               <a:t>전압을 걸어주면 자석처럼 작용하는 장치</a:t>
             </a:r>
-            <a:endParaRPr lang="en-US" altLang="ko-KR" dirty="0"/>
+            <a:endParaRPr lang="en-US" altLang="ko-KR" sz="2400" b="1" dirty="0"/>
           </a:p>
         </p:txBody>
       </p:sp>
@@ -7217,7 +7888,7 @@
         </p:blipFill>
         <p:spPr bwMode="auto">
           <a:xfrm>
-            <a:off x="2450091" y="1952725"/>
+            <a:off x="2729167" y="1856757"/>
             <a:ext cx="6733663" cy="3815743"/>
           </a:xfrm>
           <a:prstGeom prst="rect">
@@ -7248,7 +7919,7 @@
 </p:sld>
 </file>
 
-<file path=ppt/slides/slide14.xml><?xml version="1.0" encoding="utf-8"?>
+<file path=ppt/slides/slide15.xml><?xml version="1.0" encoding="utf-8"?>
 <p:sld xmlns:a="http://schemas.openxmlformats.org/drawingml/2006/main" xmlns:r="http://schemas.openxmlformats.org/officeDocument/2006/relationships" xmlns:p="http://schemas.openxmlformats.org/presentationml/2006/main">
   <p:cSld>
     <p:spTree>
@@ -7529,7 +8200,7 @@
 </p:sld>
 </file>
 
-<file path=ppt/slides/slide15.xml><?xml version="1.0" encoding="utf-8"?>
+<file path=ppt/slides/slide16.xml><?xml version="1.0" encoding="utf-8"?>
 <p:sld xmlns:a="http://schemas.openxmlformats.org/drawingml/2006/main" xmlns:r="http://schemas.openxmlformats.org/officeDocument/2006/relationships" xmlns:p="http://schemas.openxmlformats.org/presentationml/2006/main">
   <p:cSld>
     <p:spTree>
@@ -8249,7 +8920,7 @@
 </p:sld>
 </file>
 
-<file path=ppt/slides/slide16.xml><?xml version="1.0" encoding="utf-8"?>
+<file path=ppt/slides/slide17.xml><?xml version="1.0" encoding="utf-8"?>
 <p:sld xmlns:a="http://schemas.openxmlformats.org/drawingml/2006/main" xmlns:r="http://schemas.openxmlformats.org/officeDocument/2006/relationships" xmlns:p="http://schemas.openxmlformats.org/presentationml/2006/main">
   <p:cSld>
     <p:spTree>
@@ -9085,7 +9756,7 @@
 </p:sld>
 </file>
 
-<file path=ppt/slides/slide17.xml><?xml version="1.0" encoding="utf-8"?>
+<file path=ppt/slides/slide18.xml><?xml version="1.0" encoding="utf-8"?>
 <p:sld xmlns:a="http://schemas.openxmlformats.org/drawingml/2006/main" xmlns:r="http://schemas.openxmlformats.org/officeDocument/2006/relationships" xmlns:p="http://schemas.openxmlformats.org/presentationml/2006/main">
   <p:cSld>
     <p:spTree>
@@ -9864,7 +10535,7 @@
 </p:sld>
 </file>
 
-<file path=ppt/slides/slide18.xml><?xml version="1.0" encoding="utf-8"?>
+<file path=ppt/slides/slide19.xml><?xml version="1.0" encoding="utf-8"?>
 <p:sld xmlns:a="http://schemas.openxmlformats.org/drawingml/2006/main" xmlns:r="http://schemas.openxmlformats.org/officeDocument/2006/relationships" xmlns:p="http://schemas.openxmlformats.org/presentationml/2006/main">
   <p:cSld>
     <p:spTree>
@@ -13238,7 +13909,7 @@
               <a:rPr lang="ko-KR" altLang="en-US" sz="3000" b="1" dirty="0">
                 <a:latin typeface="+mn-ea"/>
               </a:rPr>
-              <a:t>클럭</a:t>
+              <a:t> 클럭</a:t>
             </a:r>
             <a:r>
               <a:rPr lang="en-US" altLang="ko-KR" sz="3000" b="1" dirty="0">
@@ -13298,6 +13969,12 @@
               </a:spcAft>
               <a:buAutoNum type="arabicPeriod"/>
             </a:pPr>
+            <a:r>
+              <a:rPr lang="ko-KR" altLang="en-US" sz="3000" b="1" dirty="0">
+                <a:latin typeface="+mn-ea"/>
+              </a:rPr>
+              <a:t> </a:t>
+            </a:r>
             <a:r>
               <a:rPr lang="ko-KR" altLang="en-US" sz="3000" b="1" dirty="0" err="1">
                 <a:latin typeface="+mn-ea"/>
@@ -13468,6 +14145,433 @@
 </file>
 
 <file path=ppt/slides/slide8.xml><?xml version="1.0" encoding="utf-8"?>
+<p:sld xmlns:a="http://schemas.openxmlformats.org/drawingml/2006/main" xmlns:r="http://schemas.openxmlformats.org/officeDocument/2006/relationships" xmlns:p="http://schemas.openxmlformats.org/presentationml/2006/main">
+  <p:cSld>
+    <p:spTree>
+      <p:nvGrpSpPr>
+        <p:cNvPr id="1" name=""/>
+        <p:cNvGrpSpPr/>
+        <p:nvPr/>
+      </p:nvGrpSpPr>
+      <p:grpSpPr>
+        <a:xfrm>
+          <a:off x="0" y="0"/>
+          <a:ext cx="0" cy="0"/>
+          <a:chOff x="0" y="0"/>
+          <a:chExt cx="0" cy="0"/>
+        </a:xfrm>
+      </p:grpSpPr>
+      <p:sp>
+        <p:nvSpPr>
+          <p:cNvPr id="4" name="직사각형 3">
+            <a:extLst>
+              <a:ext uri="{FF2B5EF4-FFF2-40B4-BE49-F238E27FC236}">
+                <a16:creationId xmlns:a16="http://schemas.microsoft.com/office/drawing/2014/main" id="{8CE2AD40-F434-4036-9D04-C476FB1FB8B7}"/>
+              </a:ext>
+            </a:extLst>
+          </p:cNvPr>
+          <p:cNvSpPr/>
+          <p:nvPr/>
+        </p:nvSpPr>
+        <p:spPr>
+          <a:xfrm>
+            <a:off x="0" y="0"/>
+            <a:ext cx="12192000" cy="721551"/>
+          </a:xfrm>
+          <a:prstGeom prst="rect">
+            <a:avLst/>
+          </a:prstGeom>
+          <a:solidFill>
+            <a:schemeClr val="accent1">
+              <a:lumMod val="75000"/>
+            </a:schemeClr>
+          </a:solidFill>
+        </p:spPr>
+        <p:style>
+          <a:lnRef idx="2">
+            <a:schemeClr val="accent1">
+              <a:shade val="50000"/>
+            </a:schemeClr>
+          </a:lnRef>
+          <a:fillRef idx="1">
+            <a:schemeClr val="accent1"/>
+          </a:fillRef>
+          <a:effectRef idx="0">
+            <a:schemeClr val="accent1"/>
+          </a:effectRef>
+          <a:fontRef idx="minor">
+            <a:schemeClr val="lt1"/>
+          </a:fontRef>
+        </p:style>
+        <p:txBody>
+          <a:bodyPr rtlCol="0" anchor="ctr"/>
+          <a:lstStyle/>
+          <a:p>
+            <a:r>
+              <a:rPr lang="ko-KR" altLang="en-US" sz="3000" dirty="0">
+                <a:solidFill>
+                  <a:schemeClr val="bg1"/>
+                </a:solidFill>
+              </a:rPr>
+              <a:t> 학습 내용 </a:t>
+            </a:r>
+            <a:r>
+              <a:rPr lang="en-US" altLang="ko-KR" sz="3000" dirty="0">
+                <a:solidFill>
+                  <a:schemeClr val="bg1"/>
+                </a:solidFill>
+              </a:rPr>
+              <a:t>(</a:t>
+            </a:r>
+            <a:r>
+              <a:rPr lang="ko-KR" altLang="en-US" sz="3000" dirty="0">
+                <a:solidFill>
+                  <a:schemeClr val="bg1"/>
+                </a:solidFill>
+              </a:rPr>
+              <a:t>소개</a:t>
+            </a:r>
+            <a:r>
+              <a:rPr lang="en-US" altLang="ko-KR" sz="3000" dirty="0">
+                <a:solidFill>
+                  <a:schemeClr val="bg1"/>
+                </a:solidFill>
+              </a:rPr>
+              <a:t>)</a:t>
+            </a:r>
+            <a:endParaRPr lang="ko-KR" altLang="en-US" sz="3000" dirty="0">
+              <a:solidFill>
+                <a:schemeClr val="bg1"/>
+              </a:solidFill>
+            </a:endParaRPr>
+          </a:p>
+        </p:txBody>
+      </p:sp>
+      <p:sp>
+        <p:nvSpPr>
+          <p:cNvPr id="2" name="TextBox 1">
+            <a:extLst>
+              <a:ext uri="{FF2B5EF4-FFF2-40B4-BE49-F238E27FC236}">
+                <a16:creationId xmlns:a16="http://schemas.microsoft.com/office/drawing/2014/main" id="{3B02BD13-A28F-40A8-9A6A-75A440D8DEBA}"/>
+              </a:ext>
+            </a:extLst>
+          </p:cNvPr>
+          <p:cNvSpPr txBox="1"/>
+          <p:nvPr/>
+        </p:nvSpPr>
+        <p:spPr>
+          <a:xfrm>
+            <a:off x="2785730" y="2647507"/>
+            <a:ext cx="184731" cy="369332"/>
+          </a:xfrm>
+          <a:prstGeom prst="rect">
+            <a:avLst/>
+          </a:prstGeom>
+          <a:noFill/>
+        </p:spPr>
+        <p:txBody>
+          <a:bodyPr wrap="none" rtlCol="0">
+            <a:spAutoFit/>
+          </a:bodyPr>
+          <a:lstStyle/>
+          <a:p>
+            <a:endParaRPr lang="ko-KR" altLang="en-US" dirty="0"/>
+          </a:p>
+        </p:txBody>
+      </p:sp>
+      <p:pic>
+        <p:nvPicPr>
+          <p:cNvPr id="6146" name="Picture 2" descr="雲影 - 구름그림자: 사람과 동물들의 가청주파수">
+            <a:extLst>
+              <a:ext uri="{FF2B5EF4-FFF2-40B4-BE49-F238E27FC236}">
+                <a16:creationId xmlns:a16="http://schemas.microsoft.com/office/drawing/2014/main" id="{7E78E106-BDDF-4425-9B25-C4E9FFC75A39}"/>
+              </a:ext>
+            </a:extLst>
+          </p:cNvPr>
+          <p:cNvPicPr>
+            <a:picLocks noChangeAspect="1" noChangeArrowheads="1"/>
+          </p:cNvPicPr>
+          <p:nvPr/>
+        </p:nvPicPr>
+        <p:blipFill>
+          <a:blip r:embed="rId3">
+            <a:extLst>
+              <a:ext uri="{28A0092B-C50C-407E-A947-70E740481C1C}">
+                <a14:useLocalDpi xmlns:a14="http://schemas.microsoft.com/office/drawing/2010/main" val="0"/>
+              </a:ext>
+            </a:extLst>
+          </a:blip>
+          <a:srcRect/>
+          <a:stretch>
+            <a:fillRect/>
+          </a:stretch>
+        </p:blipFill>
+        <p:spPr bwMode="auto">
+          <a:xfrm>
+            <a:off x="389634" y="1177200"/>
+            <a:ext cx="11412732" cy="3891757"/>
+          </a:xfrm>
+          <a:prstGeom prst="rect">
+            <a:avLst/>
+          </a:prstGeom>
+          <a:noFill/>
+          <a:extLst>
+            <a:ext uri="{909E8E84-426E-40DD-AFC4-6F175D3DCCD1}">
+              <a14:hiddenFill xmlns:a14="http://schemas.microsoft.com/office/drawing/2010/main">
+                <a:solidFill>
+                  <a:srgbClr val="FFFFFF"/>
+                </a:solidFill>
+              </a14:hiddenFill>
+            </a:ext>
+          </a:extLst>
+        </p:spPr>
+      </p:pic>
+      <p:sp>
+        <p:nvSpPr>
+          <p:cNvPr id="5" name="TextBox 4">
+            <a:extLst>
+              <a:ext uri="{FF2B5EF4-FFF2-40B4-BE49-F238E27FC236}">
+                <a16:creationId xmlns:a16="http://schemas.microsoft.com/office/drawing/2014/main" id="{D12EADD0-51DD-4430-8238-8094C2DD9114}"/>
+              </a:ext>
+            </a:extLst>
+          </p:cNvPr>
+          <p:cNvSpPr txBox="1"/>
+          <p:nvPr/>
+        </p:nvSpPr>
+        <p:spPr>
+          <a:xfrm>
+            <a:off x="1115956" y="5442273"/>
+            <a:ext cx="10280378" cy="477054"/>
+          </a:xfrm>
+          <a:prstGeom prst="rect">
+            <a:avLst/>
+          </a:prstGeom>
+          <a:noFill/>
+        </p:spPr>
+        <p:txBody>
+          <a:bodyPr wrap="none" rtlCol="0">
+            <a:spAutoFit/>
+          </a:bodyPr>
+          <a:lstStyle/>
+          <a:p>
+            <a:r>
+              <a:rPr lang="ko-KR" altLang="en-US" sz="2500" dirty="0"/>
+              <a:t>전기 신호</a:t>
+            </a:r>
+            <a:r>
+              <a:rPr lang="en-US" altLang="ko-KR" sz="2500" dirty="0"/>
+              <a:t>(</a:t>
+            </a:r>
+            <a:r>
+              <a:rPr lang="ko-KR" altLang="en-US" sz="2500" dirty="0" err="1"/>
+              <a:t>주파수값</a:t>
+            </a:r>
+            <a:r>
+              <a:rPr lang="en-US" altLang="ko-KR" sz="2500" dirty="0"/>
+              <a:t>)   -&gt;   </a:t>
+            </a:r>
+            <a:r>
+              <a:rPr lang="ko-KR" altLang="en-US" sz="2500" dirty="0"/>
+              <a:t>소리로 변경하면 원하는 음을 만들 수 있다</a:t>
+            </a:r>
+            <a:r>
+              <a:rPr lang="en-US" altLang="ko-KR" sz="2500" dirty="0"/>
+              <a:t>.</a:t>
+            </a:r>
+            <a:endParaRPr lang="ko-KR" altLang="en-US" sz="2500" dirty="0"/>
+          </a:p>
+        </p:txBody>
+      </p:sp>
+      <p:sp>
+        <p:nvSpPr>
+          <p:cNvPr id="14" name="타원 13">
+            <a:extLst>
+              <a:ext uri="{FF2B5EF4-FFF2-40B4-BE49-F238E27FC236}">
+                <a16:creationId xmlns:a16="http://schemas.microsoft.com/office/drawing/2014/main" id="{4C88085B-89A1-42E7-8864-5E584E07458B}"/>
+              </a:ext>
+            </a:extLst>
+          </p:cNvPr>
+          <p:cNvSpPr/>
+          <p:nvPr/>
+        </p:nvSpPr>
+        <p:spPr>
+          <a:xfrm>
+            <a:off x="1937310" y="938673"/>
+            <a:ext cx="3827386" cy="1346643"/>
+          </a:xfrm>
+          <a:prstGeom prst="ellipse">
+            <a:avLst/>
+          </a:prstGeom>
+          <a:noFill/>
+          <a:ln w="76200">
+            <a:solidFill>
+              <a:srgbClr val="FF0000"/>
+            </a:solidFill>
+          </a:ln>
+        </p:spPr>
+        <p:style>
+          <a:lnRef idx="2">
+            <a:schemeClr val="accent1">
+              <a:shade val="50000"/>
+            </a:schemeClr>
+          </a:lnRef>
+          <a:fillRef idx="1">
+            <a:schemeClr val="accent1"/>
+          </a:fillRef>
+          <a:effectRef idx="0">
+            <a:schemeClr val="accent1"/>
+          </a:effectRef>
+          <a:fontRef idx="minor">
+            <a:schemeClr val="lt1"/>
+          </a:fontRef>
+        </p:style>
+        <p:txBody>
+          <a:bodyPr rtlCol="0" anchor="ctr"/>
+          <a:lstStyle/>
+          <a:p>
+            <a:pPr algn="ctr"/>
+            <a:endParaRPr lang="ko-KR" altLang="en-US" dirty="0"/>
+          </a:p>
+        </p:txBody>
+      </p:sp>
+    </p:spTree>
+    <p:extLst>
+      <p:ext uri="{BB962C8B-B14F-4D97-AF65-F5344CB8AC3E}">
+        <p14:creationId xmlns:p14="http://schemas.microsoft.com/office/powerpoint/2010/main" val="1165573077"/>
+      </p:ext>
+    </p:extLst>
+  </p:cSld>
+  <p:clrMapOvr>
+    <a:masterClrMapping/>
+  </p:clrMapOvr>
+  <p:timing>
+    <p:tnLst>
+      <p:par>
+        <p:cTn id="1" dur="indefinite" restart="never" nodeType="tmRoot">
+          <p:childTnLst>
+            <p:seq concurrent="1" nextAc="seek">
+              <p:cTn id="2" dur="indefinite" nodeType="mainSeq">
+                <p:childTnLst>
+                  <p:par>
+                    <p:cTn id="3" fill="hold">
+                      <p:stCondLst>
+                        <p:cond delay="indefinite"/>
+                      </p:stCondLst>
+                      <p:childTnLst>
+                        <p:par>
+                          <p:cTn id="4" fill="hold">
+                            <p:stCondLst>
+                              <p:cond delay="0"/>
+                            </p:stCondLst>
+                            <p:childTnLst>
+                              <p:par>
+                                <p:cTn id="5" presetID="1" presetClass="entr" presetSubtype="0" fill="hold" grpId="0" nodeType="clickEffect">
+                                  <p:stCondLst>
+                                    <p:cond delay="0"/>
+                                  </p:stCondLst>
+                                  <p:childTnLst>
+                                    <p:set>
+                                      <p:cBhvr>
+                                        <p:cTn id="6" dur="1" fill="hold">
+                                          <p:stCondLst>
+                                            <p:cond delay="0"/>
+                                          </p:stCondLst>
+                                        </p:cTn>
+                                        <p:tgtEl>
+                                          <p:spTgt spid="5"/>
+                                        </p:tgtEl>
+                                        <p:attrNameLst>
+                                          <p:attrName>style.visibility</p:attrName>
+                                        </p:attrNameLst>
+                                      </p:cBhvr>
+                                      <p:to>
+                                        <p:strVal val="visible"/>
+                                      </p:to>
+                                    </p:set>
+                                  </p:childTnLst>
+                                </p:cTn>
+                              </p:par>
+                            </p:childTnLst>
+                          </p:cTn>
+                        </p:par>
+                      </p:childTnLst>
+                    </p:cTn>
+                  </p:par>
+                  <p:par>
+                    <p:cTn id="7" fill="hold">
+                      <p:stCondLst>
+                        <p:cond delay="indefinite"/>
+                      </p:stCondLst>
+                      <p:childTnLst>
+                        <p:par>
+                          <p:cTn id="8" fill="hold">
+                            <p:stCondLst>
+                              <p:cond delay="0"/>
+                            </p:stCondLst>
+                            <p:childTnLst>
+                              <p:par>
+                                <p:cTn id="9" presetID="1" presetClass="entr" presetSubtype="0" fill="hold" grpId="0" nodeType="clickEffect">
+                                  <p:stCondLst>
+                                    <p:cond delay="0"/>
+                                  </p:stCondLst>
+                                  <p:childTnLst>
+                                    <p:set>
+                                      <p:cBhvr>
+                                        <p:cTn id="10" dur="1" fill="hold">
+                                          <p:stCondLst>
+                                            <p:cond delay="0"/>
+                                          </p:stCondLst>
+                                        </p:cTn>
+                                        <p:tgtEl>
+                                          <p:spTgt spid="14"/>
+                                        </p:tgtEl>
+                                        <p:attrNameLst>
+                                          <p:attrName>style.visibility</p:attrName>
+                                        </p:attrNameLst>
+                                      </p:cBhvr>
+                                      <p:to>
+                                        <p:strVal val="visible"/>
+                                      </p:to>
+                                    </p:set>
+                                  </p:childTnLst>
+                                </p:cTn>
+                              </p:par>
+                            </p:childTnLst>
+                          </p:cTn>
+                        </p:par>
+                      </p:childTnLst>
+                    </p:cTn>
+                  </p:par>
+                </p:childTnLst>
+              </p:cTn>
+              <p:prevCondLst>
+                <p:cond evt="onPrev" delay="0">
+                  <p:tgtEl>
+                    <p:sldTgt/>
+                  </p:tgtEl>
+                </p:cond>
+              </p:prevCondLst>
+              <p:nextCondLst>
+                <p:cond evt="onNext" delay="0">
+                  <p:tgtEl>
+                    <p:sldTgt/>
+                  </p:tgtEl>
+                </p:cond>
+              </p:nextCondLst>
+            </p:seq>
+          </p:childTnLst>
+        </p:cTn>
+      </p:par>
+    </p:tnLst>
+    <p:bldLst>
+      <p:bldP spid="5" grpId="0"/>
+      <p:bldP spid="14" grpId="0" animBg="1"/>
+    </p:bldLst>
+  </p:timing>
+</p:sld>
+</file>
+
+<file path=ppt/slides/slide9.xml><?xml version="1.0" encoding="utf-8"?>
 <p:sld xmlns:a="http://schemas.openxmlformats.org/drawingml/2006/main" xmlns:r="http://schemas.openxmlformats.org/officeDocument/2006/relationships" xmlns:p="http://schemas.openxmlformats.org/presentationml/2006/main">
   <p:cSld>
     <p:spTree>
@@ -13836,331 +14940,6 @@
       <p:bldP spid="6" grpId="0" animBg="1"/>
     </p:bldLst>
   </p:timing>
-</p:sld>
-</file>
-
-<file path=ppt/slides/slide9.xml><?xml version="1.0" encoding="utf-8"?>
-<p:sld xmlns:a="http://schemas.openxmlformats.org/drawingml/2006/main" xmlns:r="http://schemas.openxmlformats.org/officeDocument/2006/relationships" xmlns:p="http://schemas.openxmlformats.org/presentationml/2006/main">
-  <p:cSld>
-    <p:spTree>
-      <p:nvGrpSpPr>
-        <p:cNvPr id="1" name=""/>
-        <p:cNvGrpSpPr/>
-        <p:nvPr/>
-      </p:nvGrpSpPr>
-      <p:grpSpPr>
-        <a:xfrm>
-          <a:off x="0" y="0"/>
-          <a:ext cx="0" cy="0"/>
-          <a:chOff x="0" y="0"/>
-          <a:chExt cx="0" cy="0"/>
-        </a:xfrm>
-      </p:grpSpPr>
-      <p:sp>
-        <p:nvSpPr>
-          <p:cNvPr id="4" name="직사각형 3">
-            <a:extLst>
-              <a:ext uri="{FF2B5EF4-FFF2-40B4-BE49-F238E27FC236}">
-                <a16:creationId xmlns:a16="http://schemas.microsoft.com/office/drawing/2014/main" id="{8CE2AD40-F434-4036-9D04-C476FB1FB8B7}"/>
-              </a:ext>
-            </a:extLst>
-          </p:cNvPr>
-          <p:cNvSpPr/>
-          <p:nvPr/>
-        </p:nvSpPr>
-        <p:spPr>
-          <a:xfrm>
-            <a:off x="0" y="0"/>
-            <a:ext cx="12192000" cy="721551"/>
-          </a:xfrm>
-          <a:prstGeom prst="rect">
-            <a:avLst/>
-          </a:prstGeom>
-          <a:solidFill>
-            <a:schemeClr val="accent1">
-              <a:lumMod val="75000"/>
-            </a:schemeClr>
-          </a:solidFill>
-        </p:spPr>
-        <p:style>
-          <a:lnRef idx="2">
-            <a:schemeClr val="accent1">
-              <a:shade val="50000"/>
-            </a:schemeClr>
-          </a:lnRef>
-          <a:fillRef idx="1">
-            <a:schemeClr val="accent1"/>
-          </a:fillRef>
-          <a:effectRef idx="0">
-            <a:schemeClr val="accent1"/>
-          </a:effectRef>
-          <a:fontRef idx="minor">
-            <a:schemeClr val="lt1"/>
-          </a:fontRef>
-        </p:style>
-        <p:txBody>
-          <a:bodyPr rtlCol="0" anchor="ctr"/>
-          <a:lstStyle/>
-          <a:p>
-            <a:r>
-              <a:rPr lang="ko-KR" altLang="en-US" sz="3000" dirty="0">
-                <a:solidFill>
-                  <a:schemeClr val="bg1"/>
-                </a:solidFill>
-              </a:rPr>
-              <a:t> 학습 내용 </a:t>
-            </a:r>
-            <a:r>
-              <a:rPr lang="en-US" altLang="ko-KR" sz="3000" dirty="0">
-                <a:solidFill>
-                  <a:schemeClr val="bg1"/>
-                </a:solidFill>
-              </a:rPr>
-              <a:t>(</a:t>
-            </a:r>
-            <a:r>
-              <a:rPr lang="ko-KR" altLang="en-US" sz="3000" dirty="0">
-                <a:solidFill>
-                  <a:schemeClr val="bg1"/>
-                </a:solidFill>
-              </a:rPr>
-              <a:t>클럭</a:t>
-            </a:r>
-            <a:r>
-              <a:rPr lang="en-US" altLang="ko-KR" sz="3000" dirty="0">
-                <a:solidFill>
-                  <a:schemeClr val="bg1"/>
-                </a:solidFill>
-              </a:rPr>
-              <a:t>)</a:t>
-            </a:r>
-            <a:endParaRPr lang="ko-KR" altLang="en-US" sz="3000" dirty="0">
-              <a:solidFill>
-                <a:schemeClr val="bg1"/>
-              </a:solidFill>
-            </a:endParaRPr>
-          </a:p>
-        </p:txBody>
-      </p:sp>
-      <p:sp>
-        <p:nvSpPr>
-          <p:cNvPr id="2" name="TextBox 1">
-            <a:extLst>
-              <a:ext uri="{FF2B5EF4-FFF2-40B4-BE49-F238E27FC236}">
-                <a16:creationId xmlns:a16="http://schemas.microsoft.com/office/drawing/2014/main" id="{3B02BD13-A28F-40A8-9A6A-75A440D8DEBA}"/>
-              </a:ext>
-            </a:extLst>
-          </p:cNvPr>
-          <p:cNvSpPr txBox="1"/>
-          <p:nvPr/>
-        </p:nvSpPr>
-        <p:spPr>
-          <a:xfrm>
-            <a:off x="2785730" y="2647507"/>
-            <a:ext cx="184731" cy="369332"/>
-          </a:xfrm>
-          <a:prstGeom prst="rect">
-            <a:avLst/>
-          </a:prstGeom>
-          <a:noFill/>
-        </p:spPr>
-        <p:txBody>
-          <a:bodyPr wrap="none" rtlCol="0">
-            <a:spAutoFit/>
-          </a:bodyPr>
-          <a:lstStyle/>
-          <a:p>
-            <a:endParaRPr lang="ko-KR" altLang="en-US" dirty="0"/>
-          </a:p>
-        </p:txBody>
-      </p:sp>
-      <p:pic>
-        <p:nvPicPr>
-          <p:cNvPr id="2054" name="Picture 6" descr="CPU 선택 전 알면 좋은 기초 지식 몇 가지 : kini'n creations">
-            <a:extLst>
-              <a:ext uri="{FF2B5EF4-FFF2-40B4-BE49-F238E27FC236}">
-                <a16:creationId xmlns:a16="http://schemas.microsoft.com/office/drawing/2014/main" id="{0574A64E-A95D-46EA-BF5B-BB5CDC2AFEB1}"/>
-              </a:ext>
-            </a:extLst>
-          </p:cNvPr>
-          <p:cNvPicPr>
-            <a:picLocks noChangeAspect="1" noChangeArrowheads="1"/>
-          </p:cNvPicPr>
-          <p:nvPr/>
-        </p:nvPicPr>
-        <p:blipFill>
-          <a:blip r:embed="rId3">
-            <a:extLst>
-              <a:ext uri="{28A0092B-C50C-407E-A947-70E740481C1C}">
-                <a14:useLocalDpi xmlns:a14="http://schemas.microsoft.com/office/drawing/2010/main" val="0"/>
-              </a:ext>
-            </a:extLst>
-          </a:blip>
-          <a:srcRect/>
-          <a:stretch>
-            <a:fillRect/>
-          </a:stretch>
-        </p:blipFill>
-        <p:spPr bwMode="auto">
-          <a:xfrm>
-            <a:off x="442233" y="1913839"/>
-            <a:ext cx="4871724" cy="2742085"/>
-          </a:xfrm>
-          <a:prstGeom prst="rect">
-            <a:avLst/>
-          </a:prstGeom>
-          <a:noFill/>
-          <a:extLst>
-            <a:ext uri="{909E8E84-426E-40DD-AFC4-6F175D3DCCD1}">
-              <a14:hiddenFill xmlns:a14="http://schemas.microsoft.com/office/drawing/2010/main">
-                <a:solidFill>
-                  <a:srgbClr val="FFFFFF"/>
-                </a:solidFill>
-              </a14:hiddenFill>
-            </a:ext>
-          </a:extLst>
-        </p:spPr>
-      </p:pic>
-      <p:pic>
-        <p:nvPicPr>
-          <p:cNvPr id="8" name="Picture 6" descr="ATmega8(A)의 클럭 소스 설정">
-            <a:extLst>
-              <a:ext uri="{FF2B5EF4-FFF2-40B4-BE49-F238E27FC236}">
-                <a16:creationId xmlns:a16="http://schemas.microsoft.com/office/drawing/2014/main" id="{AF670BD2-5383-4C3D-BA03-3FF4297CE89B}"/>
-              </a:ext>
-            </a:extLst>
-          </p:cNvPr>
-          <p:cNvPicPr>
-            <a:picLocks noChangeAspect="1" noChangeArrowheads="1"/>
-          </p:cNvPicPr>
-          <p:nvPr/>
-        </p:nvPicPr>
-        <p:blipFill>
-          <a:blip r:embed="rId4">
-            <a:extLst>
-              <a:ext uri="{28A0092B-C50C-407E-A947-70E740481C1C}">
-                <a14:useLocalDpi xmlns:a14="http://schemas.microsoft.com/office/drawing/2010/main" val="0"/>
-              </a:ext>
-            </a:extLst>
-          </a:blip>
-          <a:srcRect/>
-          <a:stretch>
-            <a:fillRect/>
-          </a:stretch>
-        </p:blipFill>
-        <p:spPr bwMode="auto">
-          <a:xfrm>
-            <a:off x="5437613" y="3976451"/>
-            <a:ext cx="6381956" cy="1836026"/>
-          </a:xfrm>
-          <a:prstGeom prst="rect">
-            <a:avLst/>
-          </a:prstGeom>
-          <a:noFill/>
-          <a:extLst>
-            <a:ext uri="{909E8E84-426E-40DD-AFC4-6F175D3DCCD1}">
-              <a14:hiddenFill xmlns:a14="http://schemas.microsoft.com/office/drawing/2010/main">
-                <a:solidFill>
-                  <a:srgbClr val="FFFFFF"/>
-                </a:solidFill>
-              </a14:hiddenFill>
-            </a:ext>
-          </a:extLst>
-        </p:spPr>
-      </p:pic>
-      <p:pic>
-        <p:nvPicPr>
-          <p:cNvPr id="2056" name="Picture 8" descr="결정 진동자 - 위키백과, 우리 모두의 백과사전">
-            <a:extLst>
-              <a:ext uri="{FF2B5EF4-FFF2-40B4-BE49-F238E27FC236}">
-                <a16:creationId xmlns:a16="http://schemas.microsoft.com/office/drawing/2014/main" id="{B7C8246C-745E-40D1-871B-AE4A545446A6}"/>
-              </a:ext>
-            </a:extLst>
-          </p:cNvPr>
-          <p:cNvPicPr>
-            <a:picLocks noChangeAspect="1" noChangeArrowheads="1"/>
-          </p:cNvPicPr>
-          <p:nvPr/>
-        </p:nvPicPr>
-        <p:blipFill>
-          <a:blip r:embed="rId5">
-            <a:extLst>
-              <a:ext uri="{28A0092B-C50C-407E-A947-70E740481C1C}">
-                <a14:useLocalDpi xmlns:a14="http://schemas.microsoft.com/office/drawing/2010/main" val="0"/>
-              </a:ext>
-            </a:extLst>
-          </a:blip>
-          <a:srcRect/>
-          <a:stretch>
-            <a:fillRect/>
-          </a:stretch>
-        </p:blipFill>
-        <p:spPr bwMode="auto">
-          <a:xfrm>
-            <a:off x="6832673" y="809378"/>
-            <a:ext cx="3929434" cy="2619622"/>
-          </a:xfrm>
-          <a:prstGeom prst="rect">
-            <a:avLst/>
-          </a:prstGeom>
-          <a:noFill/>
-          <a:extLst>
-            <a:ext uri="{909E8E84-426E-40DD-AFC4-6F175D3DCCD1}">
-              <a14:hiddenFill xmlns:a14="http://schemas.microsoft.com/office/drawing/2010/main">
-                <a:solidFill>
-                  <a:srgbClr val="FFFFFF"/>
-                </a:solidFill>
-              </a14:hiddenFill>
-            </a:ext>
-          </a:extLst>
-        </p:spPr>
-      </p:pic>
-      <p:sp>
-        <p:nvSpPr>
-          <p:cNvPr id="5" name="TextBox 4">
-            <a:extLst>
-              <a:ext uri="{FF2B5EF4-FFF2-40B4-BE49-F238E27FC236}">
-                <a16:creationId xmlns:a16="http://schemas.microsoft.com/office/drawing/2014/main" id="{D6A1327D-B1B1-4AD7-9C64-70F291FDD222}"/>
-              </a:ext>
-            </a:extLst>
-          </p:cNvPr>
-          <p:cNvSpPr txBox="1"/>
-          <p:nvPr/>
-        </p:nvSpPr>
-        <p:spPr>
-          <a:xfrm>
-            <a:off x="7920705" y="3136612"/>
-            <a:ext cx="1415772" cy="584775"/>
-          </a:xfrm>
-          <a:prstGeom prst="rect">
-            <a:avLst/>
-          </a:prstGeom>
-          <a:noFill/>
-        </p:spPr>
-        <p:txBody>
-          <a:bodyPr wrap="none" rtlCol="0">
-            <a:spAutoFit/>
-          </a:bodyPr>
-          <a:lstStyle/>
-          <a:p>
-            <a:r>
-              <a:rPr lang="ko-KR" altLang="en-US" sz="3200" b="1" dirty="0" err="1"/>
-              <a:t>발진기</a:t>
-            </a:r>
-            <a:endParaRPr lang="ko-KR" altLang="en-US" sz="3200" b="1" dirty="0"/>
-          </a:p>
-        </p:txBody>
-      </p:sp>
-    </p:spTree>
-    <p:extLst>
-      <p:ext uri="{BB962C8B-B14F-4D97-AF65-F5344CB8AC3E}">
-        <p14:creationId xmlns:p14="http://schemas.microsoft.com/office/powerpoint/2010/main" val="3784409599"/>
-      </p:ext>
-    </p:extLst>
-  </p:cSld>
-  <p:clrMapOvr>
-    <a:masterClrMapping/>
-  </p:clrMapOvr>
 </p:sld>
 </file>
 
